--- a/2024-SPR/Week15.pptx
+++ b/2024-SPR/Week15.pptx
@@ -3535,14 +3535,14 @@
             </a:r>
             <a:r>
               <a:rPr lang="en-US"/>
-              <a:t>by 12-13</a:t>
+              <a:t>by May 1st</a:t>
             </a:r>
             <a:endParaRPr lang="en-US" dirty="0"/>
           </a:p>
           <a:p>
             <a:r>
               <a:rPr lang="en-US" dirty="0"/>
-              <a:t>TURN OFF AZURE December 17th</a:t>
+              <a:t>TURN OFF AZURE May 6th</a:t>
             </a:r>
           </a:p>
         </p:txBody>

--- a/2024-SPR/Week15.pptx
+++ b/2024-SPR/Week15.pptx
@@ -3492,7 +3492,15 @@
           <a:p>
             <a:r>
               <a:rPr lang="en-US" dirty="0"/>
-              <a:t>Final Project (Due: 12-13-2023 11:59PM)</a:t>
+              <a:t>Final Project (Due</a:t>
+            </a:r>
+            <a:r>
+              <a:rPr lang="en-US"/>
+              <a:t>: 03-02-2024 </a:t>
+            </a:r>
+            <a:r>
+              <a:rPr lang="en-US" dirty="0"/>
+              <a:t>11:59PM)</a:t>
             </a:r>
           </a:p>
           <a:p>
@@ -3531,13 +3539,8 @@
           <a:p>
             <a:r>
               <a:rPr lang="en-US" dirty="0"/>
-              <a:t>ALL late homework needs to be in </a:t>
-            </a:r>
-            <a:r>
-              <a:rPr lang="en-US"/>
-              <a:t>by May 1st</a:t>
-            </a:r>
-            <a:endParaRPr lang="en-US" dirty="0"/>
+              <a:t>ALL late homework needs to be in by May 1st</a:t>
+            </a:r>
           </a:p>
           <a:p>
             <a:r>
